--- a/fanout/pictures/pdf/MemoryElementSHORT.pptx
+++ b/fanout/pictures/pdf/MemoryElementSHORT.pptx
@@ -238,7 +238,7 @@
           <a:p>
             <a:fld id="{AECBC7CE-E8D1-4FB5-9F47-7CD8F8DF0A09}" type="datetimeFigureOut">
               <a:rPr lang="en-US" smtClean="0"/>
-              <a:t>2/25/15</a:t>
+              <a:t>2/26/2015</a:t>
             </a:fld>
             <a:endParaRPr lang="en-US"/>
           </a:p>
@@ -408,7 +408,7 @@
           <a:p>
             <a:fld id="{AECBC7CE-E8D1-4FB5-9F47-7CD8F8DF0A09}" type="datetimeFigureOut">
               <a:rPr lang="en-US" smtClean="0"/>
-              <a:t>2/25/15</a:t>
+              <a:t>2/26/2015</a:t>
             </a:fld>
             <a:endParaRPr lang="en-US"/>
           </a:p>
@@ -588,7 +588,7 @@
           <a:p>
             <a:fld id="{AECBC7CE-E8D1-4FB5-9F47-7CD8F8DF0A09}" type="datetimeFigureOut">
               <a:rPr lang="en-US" smtClean="0"/>
-              <a:t>2/25/15</a:t>
+              <a:t>2/26/2015</a:t>
             </a:fld>
             <a:endParaRPr lang="en-US"/>
           </a:p>
@@ -758,7 +758,7 @@
           <a:p>
             <a:fld id="{AECBC7CE-E8D1-4FB5-9F47-7CD8F8DF0A09}" type="datetimeFigureOut">
               <a:rPr lang="en-US" smtClean="0"/>
-              <a:t>2/25/15</a:t>
+              <a:t>2/26/2015</a:t>
             </a:fld>
             <a:endParaRPr lang="en-US"/>
           </a:p>
@@ -1004,7 +1004,7 @@
           <a:p>
             <a:fld id="{AECBC7CE-E8D1-4FB5-9F47-7CD8F8DF0A09}" type="datetimeFigureOut">
               <a:rPr lang="en-US" smtClean="0"/>
-              <a:t>2/25/15</a:t>
+              <a:t>2/26/2015</a:t>
             </a:fld>
             <a:endParaRPr lang="en-US"/>
           </a:p>
@@ -1236,7 +1236,7 @@
           <a:p>
             <a:fld id="{AECBC7CE-E8D1-4FB5-9F47-7CD8F8DF0A09}" type="datetimeFigureOut">
               <a:rPr lang="en-US" smtClean="0"/>
-              <a:t>2/25/15</a:t>
+              <a:t>2/26/2015</a:t>
             </a:fld>
             <a:endParaRPr lang="en-US"/>
           </a:p>
@@ -1603,7 +1603,7 @@
           <a:p>
             <a:fld id="{AECBC7CE-E8D1-4FB5-9F47-7CD8F8DF0A09}" type="datetimeFigureOut">
               <a:rPr lang="en-US" smtClean="0"/>
-              <a:t>2/25/15</a:t>
+              <a:t>2/26/2015</a:t>
             </a:fld>
             <a:endParaRPr lang="en-US"/>
           </a:p>
@@ -1721,7 +1721,7 @@
           <a:p>
             <a:fld id="{AECBC7CE-E8D1-4FB5-9F47-7CD8F8DF0A09}" type="datetimeFigureOut">
               <a:rPr lang="en-US" smtClean="0"/>
-              <a:t>2/25/15</a:t>
+              <a:t>2/26/2015</a:t>
             </a:fld>
             <a:endParaRPr lang="en-US"/>
           </a:p>
@@ -1816,7 +1816,7 @@
           <a:p>
             <a:fld id="{AECBC7CE-E8D1-4FB5-9F47-7CD8F8DF0A09}" type="datetimeFigureOut">
               <a:rPr lang="en-US" smtClean="0"/>
-              <a:t>2/25/15</a:t>
+              <a:t>2/26/2015</a:t>
             </a:fld>
             <a:endParaRPr lang="en-US"/>
           </a:p>
@@ -2093,7 +2093,7 @@
           <a:p>
             <a:fld id="{AECBC7CE-E8D1-4FB5-9F47-7CD8F8DF0A09}" type="datetimeFigureOut">
               <a:rPr lang="en-US" smtClean="0"/>
-              <a:t>2/25/15</a:t>
+              <a:t>2/26/2015</a:t>
             </a:fld>
             <a:endParaRPr lang="en-US"/>
           </a:p>
@@ -2350,7 +2350,7 @@
           <a:p>
             <a:fld id="{AECBC7CE-E8D1-4FB5-9F47-7CD8F8DF0A09}" type="datetimeFigureOut">
               <a:rPr lang="en-US" smtClean="0"/>
-              <a:t>2/25/15</a:t>
+              <a:t>2/26/2015</a:t>
             </a:fld>
             <a:endParaRPr lang="en-US"/>
           </a:p>
@@ -2563,7 +2563,7 @@
           <a:p>
             <a:fld id="{AECBC7CE-E8D1-4FB5-9F47-7CD8F8DF0A09}" type="datetimeFigureOut">
               <a:rPr lang="en-US" smtClean="0"/>
-              <a:t>2/25/15</a:t>
+              <a:t>2/26/2015</a:t>
             </a:fld>
             <a:endParaRPr lang="en-US"/>
           </a:p>
@@ -3032,7 +3032,7 @@
         </p:blipFill>
         <p:spPr>
           <a:xfrm>
-            <a:off x="25400" y="1934481"/>
+            <a:off x="25400" y="1912709"/>
             <a:ext cx="12192000" cy="994023"/>
           </a:xfrm>
           <a:prstGeom prst="rect">
@@ -3346,7 +3346,7 @@
         </p:nvSpPr>
         <p:spPr>
           <a:xfrm>
-            <a:off x="16119" y="2890107"/>
+            <a:off x="16119" y="2876037"/>
             <a:ext cx="1470454" cy="369332"/>
           </a:xfrm>
           <a:prstGeom prst="rect">
@@ -3653,8 +3653,9 @@
               </a:bodyPr>
               <a:lstStyle/>
               <a:p>
+                <a:pPr/>
                 <a14:m>
-                  <m:oMathPara xmlns:m="http://schemas.openxmlformats.org/officeDocument/2006/math" xmlns="">
+                  <m:oMathPara xmlns:m="http://schemas.openxmlformats.org/officeDocument/2006/math">
                     <m:oMathParaPr>
                       <m:jc m:val="centerGroup"/>
                     </m:oMathParaPr>
@@ -3663,7 +3664,7 @@
                         <m:sSubPr>
                           <m:ctrlPr>
                             <a:rPr lang="en-US" i="1" dirty="0" smtClean="0">
-                              <a:latin typeface="Cambria Math" panose="02040503050406030204" pitchFamily="18" charset="0"/>
+                              <a:latin typeface="Cambria Math"/>
                             </a:rPr>
                           </m:ctrlPr>
                         </m:sSubPr>
@@ -3673,7 +3674,7 @@
                               <m:chr m:val="̅"/>
                               <m:ctrlPr>
                                 <a:rPr lang="en-US" i="1" dirty="0" smtClean="0">
-                                  <a:latin typeface="Cambria Math" panose="02040503050406030204" pitchFamily="18" charset="0"/>
+                                  <a:latin typeface="Cambria Math"/>
                                 </a:rPr>
                               </m:ctrlPr>
                             </m:accPr>
@@ -3727,7 +3728,7 @@
               <a:blipFill rotWithShape="1">
                 <a:blip r:embed="rId4"/>
                 <a:stretch>
-                  <a:fillRect r="-17442"/>
+                  <a:fillRect b="-11667"/>
                 </a:stretch>
               </a:blipFill>
             </p:spPr>
@@ -3756,7 +3757,7 @@
             </p:nvSpPr>
             <p:spPr>
               <a:xfrm>
-                <a:off x="5087854" y="2890107"/>
+                <a:off x="5087854" y="2876037"/>
                 <a:ext cx="589136" cy="369332"/>
               </a:xfrm>
               <a:prstGeom prst="rect">
@@ -3769,8 +3770,9 @@
               </a:bodyPr>
               <a:lstStyle/>
               <a:p>
+                <a:pPr/>
                 <a14:m>
-                  <m:oMathPara xmlns:m="http://schemas.openxmlformats.org/officeDocument/2006/math" xmlns="">
+                  <m:oMathPara xmlns:m="http://schemas.openxmlformats.org/officeDocument/2006/math">
                     <m:oMathParaPr>
                       <m:jc m:val="centerGroup"/>
                     </m:oMathParaPr>
@@ -3779,7 +3781,7 @@
                         <m:sSubPr>
                           <m:ctrlPr>
                             <a:rPr lang="en-US" b="0" i="1" dirty="0" smtClean="0">
-                              <a:latin typeface="Cambria Math" panose="02040503050406030204" pitchFamily="18" charset="0"/>
+                              <a:latin typeface="Cambria Math"/>
                             </a:rPr>
                           </m:ctrlPr>
                         </m:sSubPr>
@@ -3828,7 +3830,7 @@
             </p:nvSpPr>
             <p:spPr>
               <a:xfrm>
-                <a:off x="5087854" y="2890107"/>
+                <a:off x="5087854" y="2876037"/>
                 <a:ext cx="589136" cy="369332"/>
               </a:xfrm>
               <a:prstGeom prst="rect">
@@ -3837,7 +3839,7 @@
               <a:blipFill rotWithShape="1">
                 <a:blip r:embed="rId5"/>
                 <a:stretch>
-                  <a:fillRect r="-12245"/>
+                  <a:fillRect/>
                 </a:stretch>
               </a:blipFill>
             </p:spPr>
@@ -3866,7 +3868,7 @@
             </p:nvSpPr>
             <p:spPr>
               <a:xfrm>
-                <a:off x="6625655" y="2890107"/>
+                <a:off x="6625655" y="2876037"/>
                 <a:ext cx="572080" cy="369332"/>
               </a:xfrm>
               <a:prstGeom prst="rect">
@@ -3879,8 +3881,9 @@
               </a:bodyPr>
               <a:lstStyle/>
               <a:p>
+                <a:pPr/>
                 <a14:m>
-                  <m:oMathPara xmlns:m="http://schemas.openxmlformats.org/officeDocument/2006/math" xmlns="">
+                  <m:oMathPara xmlns:m="http://schemas.openxmlformats.org/officeDocument/2006/math">
                     <m:oMathParaPr>
                       <m:jc m:val="centerGroup"/>
                     </m:oMathParaPr>
@@ -3889,7 +3892,7 @@
                         <m:sSubPr>
                           <m:ctrlPr>
                             <a:rPr lang="en-US" i="1" dirty="0" smtClean="0">
-                              <a:latin typeface="Cambria Math" panose="02040503050406030204" pitchFamily="18" charset="0"/>
+                              <a:latin typeface="Cambria Math"/>
                             </a:rPr>
                           </m:ctrlPr>
                         </m:sSubPr>
@@ -3938,7 +3941,7 @@
             </p:nvSpPr>
             <p:spPr>
               <a:xfrm>
-                <a:off x="6625655" y="2890107"/>
+                <a:off x="6625655" y="2876037"/>
                 <a:ext cx="572080" cy="369332"/>
               </a:xfrm>
               <a:prstGeom prst="rect">
@@ -3947,7 +3950,7 @@
               <a:blipFill rotWithShape="1">
                 <a:blip r:embed="rId6"/>
                 <a:stretch>
-                  <a:fillRect r="-7368"/>
+                  <a:fillRect b="-10000"/>
                 </a:stretch>
               </a:blipFill>
             </p:spPr>
@@ -3976,7 +3979,7 @@
             </p:nvSpPr>
             <p:spPr>
               <a:xfrm>
-                <a:off x="11034682" y="2897560"/>
+                <a:off x="11034682" y="2876037"/>
                 <a:ext cx="532518" cy="369332"/>
               </a:xfrm>
               <a:prstGeom prst="rect">
@@ -3989,8 +3992,9 @@
               </a:bodyPr>
               <a:lstStyle/>
               <a:p>
+                <a:pPr/>
                 <a14:m>
-                  <m:oMathPara xmlns:m="http://schemas.openxmlformats.org/officeDocument/2006/math" xmlns="">
+                  <m:oMathPara xmlns:m="http://schemas.openxmlformats.org/officeDocument/2006/math">
                     <m:oMathParaPr>
                       <m:jc m:val="centerGroup"/>
                     </m:oMathParaPr>
@@ -3999,7 +4003,7 @@
                         <m:sSubPr>
                           <m:ctrlPr>
                             <a:rPr lang="en-US" b="0" i="1" dirty="0" smtClean="0">
-                              <a:latin typeface="Cambria Math" panose="02040503050406030204" pitchFamily="18" charset="0"/>
+                              <a:latin typeface="Cambria Math"/>
                             </a:rPr>
                           </m:ctrlPr>
                         </m:sSubPr>
@@ -4042,7 +4046,7 @@
             </p:nvSpPr>
             <p:spPr>
               <a:xfrm>
-                <a:off x="11034682" y="2897560"/>
+                <a:off x="11034682" y="2876037"/>
                 <a:ext cx="532518" cy="369332"/>
               </a:xfrm>
               <a:prstGeom prst="rect">
@@ -4051,7 +4055,7 @@
               <a:blipFill rotWithShape="1">
                 <a:blip r:embed="rId7"/>
                 <a:stretch>
-                  <a:fillRect r="-14773"/>
+                  <a:fillRect/>
                 </a:stretch>
               </a:blipFill>
             </p:spPr>
@@ -4080,7 +4084,7 @@
             </p:nvSpPr>
             <p:spPr>
               <a:xfrm>
-                <a:off x="11303164" y="2897560"/>
+                <a:off x="11303164" y="2876037"/>
                 <a:ext cx="589136" cy="369332"/>
               </a:xfrm>
               <a:prstGeom prst="rect">
@@ -4093,8 +4097,9 @@
               </a:bodyPr>
               <a:lstStyle/>
               <a:p>
+                <a:pPr/>
                 <a14:m>
-                  <m:oMathPara xmlns:m="http://schemas.openxmlformats.org/officeDocument/2006/math" xmlns="">
+                  <m:oMathPara xmlns:m="http://schemas.openxmlformats.org/officeDocument/2006/math">
                     <m:oMathParaPr>
                       <m:jc m:val="centerGroup"/>
                     </m:oMathParaPr>
@@ -4103,7 +4108,7 @@
                         <m:sSubPr>
                           <m:ctrlPr>
                             <a:rPr lang="en-US" b="0" i="1" dirty="0" smtClean="0">
-                              <a:latin typeface="Cambria Math" panose="02040503050406030204" pitchFamily="18" charset="0"/>
+                              <a:latin typeface="Cambria Math"/>
                             </a:rPr>
                           </m:ctrlPr>
                         </m:sSubPr>
@@ -4152,7 +4157,7 @@
             </p:nvSpPr>
             <p:spPr>
               <a:xfrm>
-                <a:off x="11303164" y="2897560"/>
+                <a:off x="11303164" y="2876037"/>
                 <a:ext cx="589136" cy="369332"/>
               </a:xfrm>
               <a:prstGeom prst="rect">
@@ -4161,7 +4166,7 @@
               <a:blipFill rotWithShape="1">
                 <a:blip r:embed="rId8"/>
                 <a:stretch>
-                  <a:fillRect r="-12371"/>
+                  <a:fillRect/>
                 </a:stretch>
               </a:blipFill>
             </p:spPr>
@@ -4190,7 +4195,7 @@
             </p:nvSpPr>
             <p:spPr>
               <a:xfrm>
-                <a:off x="9499303" y="2897272"/>
+                <a:off x="9499303" y="2876037"/>
                 <a:ext cx="520784" cy="369909"/>
               </a:xfrm>
               <a:prstGeom prst="rect">
@@ -4203,8 +4208,9 @@
               </a:bodyPr>
               <a:lstStyle/>
               <a:p>
+                <a:pPr/>
                 <a14:m>
-                  <m:oMathPara xmlns:m="http://schemas.openxmlformats.org/officeDocument/2006/math" xmlns="">
+                  <m:oMathPara xmlns:m="http://schemas.openxmlformats.org/officeDocument/2006/math">
                     <m:oMathParaPr>
                       <m:jc m:val="centerGroup"/>
                     </m:oMathParaPr>
@@ -4213,7 +4219,7 @@
                         <m:sSubPr>
                           <m:ctrlPr>
                             <a:rPr lang="en-US" i="1" dirty="0" smtClean="0">
-                              <a:latin typeface="Cambria Math" panose="02040503050406030204" pitchFamily="18" charset="0"/>
+                              <a:latin typeface="Cambria Math"/>
                             </a:rPr>
                           </m:ctrlPr>
                         </m:sSubPr>
@@ -4223,7 +4229,7 @@
                               <m:chr m:val="̅"/>
                               <m:ctrlPr>
                                 <a:rPr lang="en-US" i="1" dirty="0" smtClean="0">
-                                  <a:latin typeface="Cambria Math" panose="02040503050406030204" pitchFamily="18" charset="0"/>
+                                  <a:latin typeface="Cambria Math"/>
                                 </a:rPr>
                               </m:ctrlPr>
                             </m:accPr>
@@ -4268,7 +4274,7 @@
             </p:nvSpPr>
             <p:spPr>
               <a:xfrm>
-                <a:off x="9499303" y="2897272"/>
+                <a:off x="9499303" y="2876037"/>
                 <a:ext cx="520784" cy="369909"/>
               </a:xfrm>
               <a:prstGeom prst="rect">
@@ -4277,7 +4283,7 @@
               <a:blipFill rotWithShape="1">
                 <a:blip r:embed="rId9"/>
                 <a:stretch>
-                  <a:fillRect r="-17442"/>
+                  <a:fillRect b="-11667"/>
                 </a:stretch>
               </a:blipFill>
             </p:spPr>
@@ -4564,7 +4570,7 @@
   <a:extraClrSchemeLst/>
   <a:extLst>
     <a:ext uri="{05A4C25C-085E-4340-85A3-A5531E510DB2}">
-      <thm15:themeFamily xmlns:thm15="http://schemas.microsoft.com/office/thememl/2012/main" xmlns="" name="Office Theme" id="{62F939B6-93AF-4DB8-9C6B-D6C7DFDC589F}" vid="{4A3C46E8-61CC-4603-A589-7422A47A8E4A}"/>
+      <thm15:themeFamily xmlns="" xmlns:thm15="http://schemas.microsoft.com/office/thememl/2012/main" name="Office Theme" id="{62F939B6-93AF-4DB8-9C6B-D6C7DFDC589F}" vid="{4A3C46E8-61CC-4603-A589-7422A47A8E4A}"/>
     </a:ext>
   </a:extLst>
 </a:theme>
